--- a/FinalPresentation.pptx
+++ b/FinalPresentation.pptx
@@ -4,6 +4,9 @@
   <p:sldMasterIdLst>
     <p:sldMasterId id="2147483648" r:id="rId1"/>
   </p:sldMasterIdLst>
+  <p:notesMasterIdLst>
+    <p:notesMasterId r:id="rId20"/>
+  </p:notesMasterIdLst>
   <p:sldIdLst>
     <p:sldId id="256" r:id="rId2"/>
     <p:sldId id="258" r:id="rId3"/>
@@ -121,7 +124,361 @@
       </a:defRPr>
     </a:lvl9pPr>
   </p:defaultTextStyle>
+  <p:extLst>
+    <p:ext uri="{EFAFB233-063F-42B5-8137-9DF3F51BA10A}">
+      <p15:sldGuideLst xmlns:p15="http://schemas.microsoft.com/office/powerpoint/2012/main"/>
+    </p:ext>
+  </p:extLst>
 </p:presentation>
+</file>
+
+<file path=ppt/notesMasters/notesMaster1.xml><?xml version="1.0" encoding="utf-8"?>
+<p:notesMaster xmlns:a="http://schemas.openxmlformats.org/drawingml/2006/main" xmlns:r="http://schemas.openxmlformats.org/officeDocument/2006/relationships" xmlns:p="http://schemas.openxmlformats.org/presentationml/2006/main">
+  <p:cSld>
+    <p:bg>
+      <p:bgRef idx="1001">
+        <a:schemeClr val="bg1"/>
+      </p:bgRef>
+    </p:bg>
+    <p:spTree>
+      <p:nvGrpSpPr>
+        <p:cNvPr id="1" name=""/>
+        <p:cNvGrpSpPr/>
+        <p:nvPr/>
+      </p:nvGrpSpPr>
+      <p:grpSpPr>
+        <a:xfrm>
+          <a:off x="0" y="0"/>
+          <a:ext cx="0" cy="0"/>
+          <a:chOff x="0" y="0"/>
+          <a:chExt cx="0" cy="0"/>
+        </a:xfrm>
+      </p:grpSpPr>
+      <p:sp>
+        <p:nvSpPr>
+          <p:cNvPr id="2" name="Header Placeholder 1"/>
+          <p:cNvSpPr>
+            <a:spLocks noGrp="1"/>
+          </p:cNvSpPr>
+          <p:nvPr>
+            <p:ph type="hdr" sz="quarter"/>
+          </p:nvPr>
+        </p:nvSpPr>
+        <p:spPr>
+          <a:xfrm>
+            <a:off x="0" y="0"/>
+            <a:ext cx="2971800" cy="458788"/>
+          </a:xfrm>
+          <a:prstGeom prst="rect">
+            <a:avLst/>
+          </a:prstGeom>
+        </p:spPr>
+        <p:txBody>
+          <a:bodyPr vert="horz" lIns="91440" tIns="45720" rIns="91440" bIns="45720" rtlCol="0"/>
+          <a:lstStyle>
+            <a:lvl1pPr algn="l">
+              <a:defRPr sz="1200"/>
+            </a:lvl1pPr>
+          </a:lstStyle>
+          <a:p>
+            <a:endParaRPr lang="en-US"/>
+          </a:p>
+        </p:txBody>
+      </p:sp>
+      <p:sp>
+        <p:nvSpPr>
+          <p:cNvPr id="3" name="Date Placeholder 2"/>
+          <p:cNvSpPr>
+            <a:spLocks noGrp="1"/>
+          </p:cNvSpPr>
+          <p:nvPr>
+            <p:ph type="dt" idx="1"/>
+          </p:nvPr>
+        </p:nvSpPr>
+        <p:spPr>
+          <a:xfrm>
+            <a:off x="3884613" y="0"/>
+            <a:ext cx="2971800" cy="458788"/>
+          </a:xfrm>
+          <a:prstGeom prst="rect">
+            <a:avLst/>
+          </a:prstGeom>
+        </p:spPr>
+        <p:txBody>
+          <a:bodyPr vert="horz" lIns="91440" tIns="45720" rIns="91440" bIns="45720" rtlCol="0"/>
+          <a:lstStyle>
+            <a:lvl1pPr algn="r">
+              <a:defRPr sz="1200"/>
+            </a:lvl1pPr>
+          </a:lstStyle>
+          <a:p>
+            <a:fld id="{7D5E496A-779C-4384-B859-A6DCB518B5ED}" type="datetimeFigureOut">
+              <a:rPr lang="en-US" smtClean="0"/>
+              <a:t>2/11/2022</a:t>
+            </a:fld>
+            <a:endParaRPr lang="en-US"/>
+          </a:p>
+        </p:txBody>
+      </p:sp>
+      <p:sp>
+        <p:nvSpPr>
+          <p:cNvPr id="4" name="Slide Image Placeholder 3"/>
+          <p:cNvSpPr>
+            <a:spLocks noGrp="1" noRot="1" noChangeAspect="1"/>
+          </p:cNvSpPr>
+          <p:nvPr>
+            <p:ph type="sldImg" idx="2"/>
+          </p:nvPr>
+        </p:nvSpPr>
+        <p:spPr>
+          <a:xfrm>
+            <a:off x="685800" y="1143000"/>
+            <a:ext cx="5486400" cy="3086100"/>
+          </a:xfrm>
+          <a:prstGeom prst="rect">
+            <a:avLst/>
+          </a:prstGeom>
+          <a:noFill/>
+          <a:ln w="12700">
+            <a:solidFill>
+              <a:prstClr val="black"/>
+            </a:solidFill>
+          </a:ln>
+        </p:spPr>
+        <p:txBody>
+          <a:bodyPr vert="horz" lIns="91440" tIns="45720" rIns="91440" bIns="45720" rtlCol="0" anchor="ctr"/>
+          <a:lstStyle/>
+          <a:p>
+            <a:endParaRPr lang="en-US"/>
+          </a:p>
+        </p:txBody>
+      </p:sp>
+      <p:sp>
+        <p:nvSpPr>
+          <p:cNvPr id="5" name="Notes Placeholder 4"/>
+          <p:cNvSpPr>
+            <a:spLocks noGrp="1"/>
+          </p:cNvSpPr>
+          <p:nvPr>
+            <p:ph type="body" sz="quarter" idx="3"/>
+          </p:nvPr>
+        </p:nvSpPr>
+        <p:spPr>
+          <a:xfrm>
+            <a:off x="685800" y="4400550"/>
+            <a:ext cx="5486400" cy="3600450"/>
+          </a:xfrm>
+          <a:prstGeom prst="rect">
+            <a:avLst/>
+          </a:prstGeom>
+        </p:spPr>
+        <p:txBody>
+          <a:bodyPr vert="horz" lIns="91440" tIns="45720" rIns="91440" bIns="45720" rtlCol="0"/>
+          <a:lstStyle/>
+          <a:p>
+            <a:pPr lvl="0"/>
+            <a:r>
+              <a:rPr lang="en-US"/>
+              <a:t>Click to edit Master text styles</a:t>
+            </a:r>
+          </a:p>
+          <a:p>
+            <a:pPr lvl="1"/>
+            <a:r>
+              <a:rPr lang="en-US"/>
+              <a:t>Second level</a:t>
+            </a:r>
+          </a:p>
+          <a:p>
+            <a:pPr lvl="2"/>
+            <a:r>
+              <a:rPr lang="en-US"/>
+              <a:t>Third level</a:t>
+            </a:r>
+          </a:p>
+          <a:p>
+            <a:pPr lvl="3"/>
+            <a:r>
+              <a:rPr lang="en-US"/>
+              <a:t>Fourth level</a:t>
+            </a:r>
+          </a:p>
+          <a:p>
+            <a:pPr lvl="4"/>
+            <a:r>
+              <a:rPr lang="en-US"/>
+              <a:t>Fifth level</a:t>
+            </a:r>
+          </a:p>
+        </p:txBody>
+      </p:sp>
+      <p:sp>
+        <p:nvSpPr>
+          <p:cNvPr id="6" name="Footer Placeholder 5"/>
+          <p:cNvSpPr>
+            <a:spLocks noGrp="1"/>
+          </p:cNvSpPr>
+          <p:nvPr>
+            <p:ph type="ftr" sz="quarter" idx="4"/>
+          </p:nvPr>
+        </p:nvSpPr>
+        <p:spPr>
+          <a:xfrm>
+            <a:off x="0" y="8685213"/>
+            <a:ext cx="2971800" cy="458787"/>
+          </a:xfrm>
+          <a:prstGeom prst="rect">
+            <a:avLst/>
+          </a:prstGeom>
+        </p:spPr>
+        <p:txBody>
+          <a:bodyPr vert="horz" lIns="91440" tIns="45720" rIns="91440" bIns="45720" rtlCol="0" anchor="b"/>
+          <a:lstStyle>
+            <a:lvl1pPr algn="l">
+              <a:defRPr sz="1200"/>
+            </a:lvl1pPr>
+          </a:lstStyle>
+          <a:p>
+            <a:endParaRPr lang="en-US"/>
+          </a:p>
+        </p:txBody>
+      </p:sp>
+      <p:sp>
+        <p:nvSpPr>
+          <p:cNvPr id="7" name="Slide Number Placeholder 6"/>
+          <p:cNvSpPr>
+            <a:spLocks noGrp="1"/>
+          </p:cNvSpPr>
+          <p:nvPr>
+            <p:ph type="sldNum" sz="quarter" idx="5"/>
+          </p:nvPr>
+        </p:nvSpPr>
+        <p:spPr>
+          <a:xfrm>
+            <a:off x="3884613" y="8685213"/>
+            <a:ext cx="2971800" cy="458787"/>
+          </a:xfrm>
+          <a:prstGeom prst="rect">
+            <a:avLst/>
+          </a:prstGeom>
+        </p:spPr>
+        <p:txBody>
+          <a:bodyPr vert="horz" lIns="91440" tIns="45720" rIns="91440" bIns="45720" rtlCol="0" anchor="b"/>
+          <a:lstStyle>
+            <a:lvl1pPr algn="r">
+              <a:defRPr sz="1200"/>
+            </a:lvl1pPr>
+          </a:lstStyle>
+          <a:p>
+            <a:fld id="{99CFF15E-0AB4-4CCE-A994-C8DC44258A01}" type="slidenum">
+              <a:rPr lang="en-US" smtClean="0"/>
+              <a:t>‹#›</a:t>
+            </a:fld>
+            <a:endParaRPr lang="en-US"/>
+          </a:p>
+        </p:txBody>
+      </p:sp>
+    </p:spTree>
+    <p:extLst>
+      <p:ext uri="{BB962C8B-B14F-4D97-AF65-F5344CB8AC3E}">
+        <p14:creationId xmlns:p14="http://schemas.microsoft.com/office/powerpoint/2010/main" val="4127531433"/>
+      </p:ext>
+    </p:extLst>
+  </p:cSld>
+  <p:clrMap bg1="lt1" tx1="dk1" bg2="lt2" tx2="dk2" accent1="accent1" accent2="accent2" accent3="accent3" accent4="accent4" accent5="accent5" accent6="accent6" hlink="hlink" folHlink="folHlink"/>
+  <p:notesStyle>
+    <a:lvl1pPr marL="0" algn="l" defTabSz="914400" rtl="0" eaLnBrk="1" latinLnBrk="0" hangingPunct="1">
+      <a:defRPr sz="1200" kern="1200">
+        <a:solidFill>
+          <a:schemeClr val="tx1"/>
+        </a:solidFill>
+        <a:latin typeface="+mn-lt"/>
+        <a:ea typeface="+mn-ea"/>
+        <a:cs typeface="+mn-cs"/>
+      </a:defRPr>
+    </a:lvl1pPr>
+    <a:lvl2pPr marL="457200" algn="l" defTabSz="914400" rtl="0" eaLnBrk="1" latinLnBrk="0" hangingPunct="1">
+      <a:defRPr sz="1200" kern="1200">
+        <a:solidFill>
+          <a:schemeClr val="tx1"/>
+        </a:solidFill>
+        <a:latin typeface="+mn-lt"/>
+        <a:ea typeface="+mn-ea"/>
+        <a:cs typeface="+mn-cs"/>
+      </a:defRPr>
+    </a:lvl2pPr>
+    <a:lvl3pPr marL="914400" algn="l" defTabSz="914400" rtl="0" eaLnBrk="1" latinLnBrk="0" hangingPunct="1">
+      <a:defRPr sz="1200" kern="1200">
+        <a:solidFill>
+          <a:schemeClr val="tx1"/>
+        </a:solidFill>
+        <a:latin typeface="+mn-lt"/>
+        <a:ea typeface="+mn-ea"/>
+        <a:cs typeface="+mn-cs"/>
+      </a:defRPr>
+    </a:lvl3pPr>
+    <a:lvl4pPr marL="1371600" algn="l" defTabSz="914400" rtl="0" eaLnBrk="1" latinLnBrk="0" hangingPunct="1">
+      <a:defRPr sz="1200" kern="1200">
+        <a:solidFill>
+          <a:schemeClr val="tx1"/>
+        </a:solidFill>
+        <a:latin typeface="+mn-lt"/>
+        <a:ea typeface="+mn-ea"/>
+        <a:cs typeface="+mn-cs"/>
+      </a:defRPr>
+    </a:lvl4pPr>
+    <a:lvl5pPr marL="1828800" algn="l" defTabSz="914400" rtl="0" eaLnBrk="1" latinLnBrk="0" hangingPunct="1">
+      <a:defRPr sz="1200" kern="1200">
+        <a:solidFill>
+          <a:schemeClr val="tx1"/>
+        </a:solidFill>
+        <a:latin typeface="+mn-lt"/>
+        <a:ea typeface="+mn-ea"/>
+        <a:cs typeface="+mn-cs"/>
+      </a:defRPr>
+    </a:lvl5pPr>
+    <a:lvl6pPr marL="2286000" algn="l" defTabSz="914400" rtl="0" eaLnBrk="1" latinLnBrk="0" hangingPunct="1">
+      <a:defRPr sz="1200" kern="1200">
+        <a:solidFill>
+          <a:schemeClr val="tx1"/>
+        </a:solidFill>
+        <a:latin typeface="+mn-lt"/>
+        <a:ea typeface="+mn-ea"/>
+        <a:cs typeface="+mn-cs"/>
+      </a:defRPr>
+    </a:lvl6pPr>
+    <a:lvl7pPr marL="2743200" algn="l" defTabSz="914400" rtl="0" eaLnBrk="1" latinLnBrk="0" hangingPunct="1">
+      <a:defRPr sz="1200" kern="1200">
+        <a:solidFill>
+          <a:schemeClr val="tx1"/>
+        </a:solidFill>
+        <a:latin typeface="+mn-lt"/>
+        <a:ea typeface="+mn-ea"/>
+        <a:cs typeface="+mn-cs"/>
+      </a:defRPr>
+    </a:lvl7pPr>
+    <a:lvl8pPr marL="3200400" algn="l" defTabSz="914400" rtl="0" eaLnBrk="1" latinLnBrk="0" hangingPunct="1">
+      <a:defRPr sz="1200" kern="1200">
+        <a:solidFill>
+          <a:schemeClr val="tx1"/>
+        </a:solidFill>
+        <a:latin typeface="+mn-lt"/>
+        <a:ea typeface="+mn-ea"/>
+        <a:cs typeface="+mn-cs"/>
+      </a:defRPr>
+    </a:lvl8pPr>
+    <a:lvl9pPr marL="3657600" algn="l" defTabSz="914400" rtl="0" eaLnBrk="1" latinLnBrk="0" hangingPunct="1">
+      <a:defRPr sz="1200" kern="1200">
+        <a:solidFill>
+          <a:schemeClr val="tx1"/>
+        </a:solidFill>
+        <a:latin typeface="+mn-lt"/>
+        <a:ea typeface="+mn-ea"/>
+        <a:cs typeface="+mn-cs"/>
+      </a:defRPr>
+    </a:lvl9pPr>
+  </p:notesStyle>
+</p:notesMaster>
 </file>
 
 <file path=ppt/slideLayouts/slideLayout1.xml><?xml version="1.0" encoding="utf-8"?>
@@ -269,7 +626,7 @@
           <a:bodyPr/>
           <a:lstStyle/>
           <a:p>
-            <a:fld id="{E0A1F128-FA5E-414C-93AA-A07D8FBDE063}" type="datetimeFigureOut">
+            <a:fld id="{8C938D5B-385A-4077-97BE-7668118EB051}" type="datetime1">
               <a:rPr lang="en-US" smtClean="0"/>
               <a:t>2/11/2022</a:t>
             </a:fld>
@@ -467,7 +824,7 @@
           <a:bodyPr/>
           <a:lstStyle/>
           <a:p>
-            <a:fld id="{E0A1F128-FA5E-414C-93AA-A07D8FBDE063}" type="datetimeFigureOut">
+            <a:fld id="{1736CB33-1F37-4530-B113-B4EE98B66EE5}" type="datetime1">
               <a:rPr lang="en-US" smtClean="0"/>
               <a:t>2/11/2022</a:t>
             </a:fld>
@@ -675,7 +1032,7 @@
           <a:bodyPr/>
           <a:lstStyle/>
           <a:p>
-            <a:fld id="{E0A1F128-FA5E-414C-93AA-A07D8FBDE063}" type="datetimeFigureOut">
+            <a:fld id="{C1EEC5DC-7CE3-4C9F-BF01-55376B8058B0}" type="datetime1">
               <a:rPr lang="en-US" smtClean="0"/>
               <a:t>2/11/2022</a:t>
             </a:fld>
@@ -873,7 +1230,7 @@
           <a:bodyPr/>
           <a:lstStyle/>
           <a:p>
-            <a:fld id="{E0A1F128-FA5E-414C-93AA-A07D8FBDE063}" type="datetimeFigureOut">
+            <a:fld id="{442FF5F2-838D-435B-8BB8-F31F69237C74}" type="datetime1">
               <a:rPr lang="en-US" smtClean="0"/>
               <a:t>2/11/2022</a:t>
             </a:fld>
@@ -1148,7 +1505,7 @@
           <a:bodyPr/>
           <a:lstStyle/>
           <a:p>
-            <a:fld id="{E0A1F128-FA5E-414C-93AA-A07D8FBDE063}" type="datetimeFigureOut">
+            <a:fld id="{35FFB324-5C52-472B-966D-71B91B72CA10}" type="datetime1">
               <a:rPr lang="en-US" smtClean="0"/>
               <a:t>2/11/2022</a:t>
             </a:fld>
@@ -1413,7 +1770,7 @@
           <a:bodyPr/>
           <a:lstStyle/>
           <a:p>
-            <a:fld id="{E0A1F128-FA5E-414C-93AA-A07D8FBDE063}" type="datetimeFigureOut">
+            <a:fld id="{998A1657-28F2-4040-8C75-1905D2EF5CF4}" type="datetime1">
               <a:rPr lang="en-US" smtClean="0"/>
               <a:t>2/11/2022</a:t>
             </a:fld>
@@ -1825,7 +2182,7 @@
           <a:bodyPr/>
           <a:lstStyle/>
           <a:p>
-            <a:fld id="{E0A1F128-FA5E-414C-93AA-A07D8FBDE063}" type="datetimeFigureOut">
+            <a:fld id="{C610E045-473B-4D64-B204-6680555A1DAC}" type="datetime1">
               <a:rPr lang="en-US" smtClean="0"/>
               <a:t>2/11/2022</a:t>
             </a:fld>
@@ -1966,7 +2323,7 @@
           <a:bodyPr/>
           <a:lstStyle/>
           <a:p>
-            <a:fld id="{E0A1F128-FA5E-414C-93AA-A07D8FBDE063}" type="datetimeFigureOut">
+            <a:fld id="{2F393A24-EFF1-4526-88BA-92BE7A18166C}" type="datetime1">
               <a:rPr lang="en-US" smtClean="0"/>
               <a:t>2/11/2022</a:t>
             </a:fld>
@@ -2079,7 +2436,7 @@
           <a:bodyPr/>
           <a:lstStyle/>
           <a:p>
-            <a:fld id="{E0A1F128-FA5E-414C-93AA-A07D8FBDE063}" type="datetimeFigureOut">
+            <a:fld id="{CEB1852F-2F81-4F37-86D5-3199B0D40295}" type="datetime1">
               <a:rPr lang="en-US" smtClean="0"/>
               <a:t>2/11/2022</a:t>
             </a:fld>
@@ -2390,7 +2747,7 @@
           <a:bodyPr/>
           <a:lstStyle/>
           <a:p>
-            <a:fld id="{E0A1F128-FA5E-414C-93AA-A07D8FBDE063}" type="datetimeFigureOut">
+            <a:fld id="{226A6D8D-4AB5-4C8B-AC1E-10003A4D371B}" type="datetime1">
               <a:rPr lang="en-US" smtClean="0"/>
               <a:t>2/11/2022</a:t>
             </a:fld>
@@ -2678,7 +3035,7 @@
           <a:bodyPr/>
           <a:lstStyle/>
           <a:p>
-            <a:fld id="{E0A1F128-FA5E-414C-93AA-A07D8FBDE063}" type="datetimeFigureOut">
+            <a:fld id="{0CD76BE7-6E2C-477F-8B94-BDB05F403FA7}" type="datetime1">
               <a:rPr lang="en-US" smtClean="0"/>
               <a:t>2/11/2022</a:t>
             </a:fld>
@@ -2919,7 +3276,7 @@
             </a:lvl1pPr>
           </a:lstStyle>
           <a:p>
-            <a:fld id="{E0A1F128-FA5E-414C-93AA-A07D8FBDE063}" type="datetimeFigureOut">
+            <a:fld id="{D4B0F334-E1D7-4DE2-939C-77E9FCD3A627}" type="datetime1">
               <a:rPr lang="en-US" smtClean="0"/>
               <a:t>2/11/2022</a:t>
             </a:fld>
@@ -3038,6 +3395,7 @@
     <p:sldLayoutId id="2147483658" r:id="rId10"/>
     <p:sldLayoutId id="2147483659" r:id="rId11"/>
   </p:sldLayoutIdLst>
+  <p:hf hdr="0" ftr="0" dt="0"/>
   <p:txStyles>
     <p:titleStyle>
       <a:lvl1pPr algn="l" defTabSz="914400" rtl="0" eaLnBrk="1" latinLnBrk="0" hangingPunct="1">
@@ -3388,6 +3746,35 @@
           </a:p>
         </p:txBody>
       </p:sp>
+      <p:sp>
+        <p:nvSpPr>
+          <p:cNvPr id="4" name="Slide Number Placeholder 3">
+            <a:extLst>
+              <a:ext uri="{FF2B5EF4-FFF2-40B4-BE49-F238E27FC236}">
+                <a16:creationId xmlns:a16="http://schemas.microsoft.com/office/drawing/2014/main" id="{584A6EAA-67B1-44B5-BD9E-B74B3839E222}"/>
+              </a:ext>
+            </a:extLst>
+          </p:cNvPr>
+          <p:cNvSpPr>
+            <a:spLocks noGrp="1"/>
+          </p:cNvSpPr>
+          <p:nvPr>
+            <p:ph type="sldNum" sz="quarter" idx="12"/>
+          </p:nvPr>
+        </p:nvSpPr>
+        <p:spPr/>
+        <p:txBody>
+          <a:bodyPr/>
+          <a:lstStyle/>
+          <a:p>
+            <a:fld id="{7B67BC4D-670C-4E5F-8C6D-3D815CF13B85}" type="slidenum">
+              <a:rPr lang="en-US" smtClean="0"/>
+              <a:t>1</a:t>
+            </a:fld>
+            <a:endParaRPr lang="en-US"/>
+          </a:p>
+        </p:txBody>
+      </p:sp>
     </p:spTree>
     <p:extLst>
       <p:ext uri="{BB962C8B-B14F-4D97-AF65-F5344CB8AC3E}">
@@ -4437,6 +4824,35 @@
           </a:graphicData>
         </a:graphic>
       </p:graphicFrame>
+      <p:sp>
+        <p:nvSpPr>
+          <p:cNvPr id="3" name="Slide Number Placeholder 2">
+            <a:extLst>
+              <a:ext uri="{FF2B5EF4-FFF2-40B4-BE49-F238E27FC236}">
+                <a16:creationId xmlns:a16="http://schemas.microsoft.com/office/drawing/2014/main" id="{DEE97964-360A-4C0A-A264-59FB3E8F129A}"/>
+              </a:ext>
+            </a:extLst>
+          </p:cNvPr>
+          <p:cNvSpPr>
+            <a:spLocks noGrp="1"/>
+          </p:cNvSpPr>
+          <p:nvPr>
+            <p:ph type="sldNum" sz="quarter" idx="12"/>
+          </p:nvPr>
+        </p:nvSpPr>
+        <p:spPr/>
+        <p:txBody>
+          <a:bodyPr/>
+          <a:lstStyle/>
+          <a:p>
+            <a:fld id="{7B67BC4D-670C-4E5F-8C6D-3D815CF13B85}" type="slidenum">
+              <a:rPr lang="en-US" smtClean="0"/>
+              <a:t>10</a:t>
+            </a:fld>
+            <a:endParaRPr lang="en-US"/>
+          </a:p>
+        </p:txBody>
+      </p:sp>
     </p:spTree>
     <p:extLst>
       <p:ext uri="{BB962C8B-B14F-4D97-AF65-F5344CB8AC3E}">
@@ -5490,6 +5906,35 @@
           </a:graphicData>
         </a:graphic>
       </p:graphicFrame>
+      <p:sp>
+        <p:nvSpPr>
+          <p:cNvPr id="3" name="Slide Number Placeholder 2">
+            <a:extLst>
+              <a:ext uri="{FF2B5EF4-FFF2-40B4-BE49-F238E27FC236}">
+                <a16:creationId xmlns:a16="http://schemas.microsoft.com/office/drawing/2014/main" id="{55CBF9BC-A60F-49D5-8FEF-1E0C2DB488EC}"/>
+              </a:ext>
+            </a:extLst>
+          </p:cNvPr>
+          <p:cNvSpPr>
+            <a:spLocks noGrp="1"/>
+          </p:cNvSpPr>
+          <p:nvPr>
+            <p:ph type="sldNum" sz="quarter" idx="12"/>
+          </p:nvPr>
+        </p:nvSpPr>
+        <p:spPr/>
+        <p:txBody>
+          <a:bodyPr/>
+          <a:lstStyle/>
+          <a:p>
+            <a:fld id="{7B67BC4D-670C-4E5F-8C6D-3D815CF13B85}" type="slidenum">
+              <a:rPr lang="en-US" smtClean="0"/>
+              <a:t>11</a:t>
+            </a:fld>
+            <a:endParaRPr lang="en-US"/>
+          </a:p>
+        </p:txBody>
+      </p:sp>
     </p:spTree>
     <p:extLst>
       <p:ext uri="{BB962C8B-B14F-4D97-AF65-F5344CB8AC3E}">
@@ -5693,6 +6138,35 @@
               </a:rPr>
               <a:t></a:t>
             </a:r>
+          </a:p>
+        </p:txBody>
+      </p:sp>
+      <p:sp>
+        <p:nvSpPr>
+          <p:cNvPr id="3" name="Slide Number Placeholder 2">
+            <a:extLst>
+              <a:ext uri="{FF2B5EF4-FFF2-40B4-BE49-F238E27FC236}">
+                <a16:creationId xmlns:a16="http://schemas.microsoft.com/office/drawing/2014/main" id="{66E2386F-6AF6-41CB-8A2E-E9B4B3498BB7}"/>
+              </a:ext>
+            </a:extLst>
+          </p:cNvPr>
+          <p:cNvSpPr>
+            <a:spLocks noGrp="1"/>
+          </p:cNvSpPr>
+          <p:nvPr>
+            <p:ph type="sldNum" sz="quarter" idx="12"/>
+          </p:nvPr>
+        </p:nvSpPr>
+        <p:spPr/>
+        <p:txBody>
+          <a:bodyPr/>
+          <a:lstStyle/>
+          <a:p>
+            <a:fld id="{7B67BC4D-670C-4E5F-8C6D-3D815CF13B85}" type="slidenum">
+              <a:rPr lang="en-US" smtClean="0"/>
+              <a:t>12</a:t>
+            </a:fld>
+            <a:endParaRPr lang="en-US"/>
           </a:p>
         </p:txBody>
       </p:sp>
@@ -6355,6 +6829,35 @@
               <a:rPr lang="en-US" sz="2800" dirty="0"/>
               <a:t>Out-domain</a:t>
             </a:r>
+          </a:p>
+        </p:txBody>
+      </p:sp>
+      <p:sp>
+        <p:nvSpPr>
+          <p:cNvPr id="8" name="Slide Number Placeholder 7">
+            <a:extLst>
+              <a:ext uri="{FF2B5EF4-FFF2-40B4-BE49-F238E27FC236}">
+                <a16:creationId xmlns:a16="http://schemas.microsoft.com/office/drawing/2014/main" id="{28008CD9-98CC-4CA3-B85E-3E0032902FB3}"/>
+              </a:ext>
+            </a:extLst>
+          </p:cNvPr>
+          <p:cNvSpPr>
+            <a:spLocks noGrp="1"/>
+          </p:cNvSpPr>
+          <p:nvPr>
+            <p:ph type="sldNum" sz="quarter" idx="12"/>
+          </p:nvPr>
+        </p:nvSpPr>
+        <p:spPr/>
+        <p:txBody>
+          <a:bodyPr/>
+          <a:lstStyle/>
+          <a:p>
+            <a:fld id="{7B67BC4D-670C-4E5F-8C6D-3D815CF13B85}" type="slidenum">
+              <a:rPr lang="en-US" smtClean="0"/>
+              <a:t>13</a:t>
+            </a:fld>
+            <a:endParaRPr lang="en-US"/>
           </a:p>
         </p:txBody>
       </p:sp>
@@ -6544,6 +7047,35 @@
           </a:prstGeom>
         </p:spPr>
       </p:pic>
+      <p:sp>
+        <p:nvSpPr>
+          <p:cNvPr id="4" name="Slide Number Placeholder 3">
+            <a:extLst>
+              <a:ext uri="{FF2B5EF4-FFF2-40B4-BE49-F238E27FC236}">
+                <a16:creationId xmlns:a16="http://schemas.microsoft.com/office/drawing/2014/main" id="{AFCDE89D-8D2D-42F5-91C9-427CC0D3EC48}"/>
+              </a:ext>
+            </a:extLst>
+          </p:cNvPr>
+          <p:cNvSpPr>
+            <a:spLocks noGrp="1"/>
+          </p:cNvSpPr>
+          <p:nvPr>
+            <p:ph type="sldNum" sz="quarter" idx="12"/>
+          </p:nvPr>
+        </p:nvSpPr>
+        <p:spPr/>
+        <p:txBody>
+          <a:bodyPr/>
+          <a:lstStyle/>
+          <a:p>
+            <a:fld id="{7B67BC4D-670C-4E5F-8C6D-3D815CF13B85}" type="slidenum">
+              <a:rPr lang="en-US" smtClean="0"/>
+              <a:t>14</a:t>
+            </a:fld>
+            <a:endParaRPr lang="en-US"/>
+          </a:p>
+        </p:txBody>
+      </p:sp>
     </p:spTree>
     <p:extLst>
       <p:ext uri="{BB962C8B-B14F-4D97-AF65-F5344CB8AC3E}">
@@ -6796,6 +7328,35 @@
           <a:effectLst/>
         </p:spPr>
       </p:pic>
+      <p:sp>
+        <p:nvSpPr>
+          <p:cNvPr id="3" name="Slide Number Placeholder 2">
+            <a:extLst>
+              <a:ext uri="{FF2B5EF4-FFF2-40B4-BE49-F238E27FC236}">
+                <a16:creationId xmlns:a16="http://schemas.microsoft.com/office/drawing/2014/main" id="{FC7F4AFE-A66E-46B5-ADE1-13CD8B23ACC9}"/>
+              </a:ext>
+            </a:extLst>
+          </p:cNvPr>
+          <p:cNvSpPr>
+            <a:spLocks noGrp="1"/>
+          </p:cNvSpPr>
+          <p:nvPr>
+            <p:ph type="sldNum" sz="quarter" idx="12"/>
+          </p:nvPr>
+        </p:nvSpPr>
+        <p:spPr/>
+        <p:txBody>
+          <a:bodyPr/>
+          <a:lstStyle/>
+          <a:p>
+            <a:fld id="{7B67BC4D-670C-4E5F-8C6D-3D815CF13B85}" type="slidenum">
+              <a:rPr lang="en-US" smtClean="0"/>
+              <a:t>15</a:t>
+            </a:fld>
+            <a:endParaRPr lang="en-US"/>
+          </a:p>
+        </p:txBody>
+      </p:sp>
     </p:spTree>
     <p:extLst>
       <p:ext uri="{BB962C8B-B14F-4D97-AF65-F5344CB8AC3E}">
@@ -11832,6 +12393,35 @@
           </a:p>
         </p:txBody>
       </p:sp>
+      <p:sp>
+        <p:nvSpPr>
+          <p:cNvPr id="3" name="Slide Number Placeholder 2">
+            <a:extLst>
+              <a:ext uri="{FF2B5EF4-FFF2-40B4-BE49-F238E27FC236}">
+                <a16:creationId xmlns:a16="http://schemas.microsoft.com/office/drawing/2014/main" id="{FF35B281-A12F-495C-B4B7-8EC1CBD21099}"/>
+              </a:ext>
+            </a:extLst>
+          </p:cNvPr>
+          <p:cNvSpPr>
+            <a:spLocks noGrp="1"/>
+          </p:cNvSpPr>
+          <p:nvPr>
+            <p:ph type="sldNum" sz="quarter" idx="12"/>
+          </p:nvPr>
+        </p:nvSpPr>
+        <p:spPr/>
+        <p:txBody>
+          <a:bodyPr/>
+          <a:lstStyle/>
+          <a:p>
+            <a:fld id="{7B67BC4D-670C-4E5F-8C6D-3D815CF13B85}" type="slidenum">
+              <a:rPr lang="en-US" smtClean="0"/>
+              <a:t>16</a:t>
+            </a:fld>
+            <a:endParaRPr lang="en-US"/>
+          </a:p>
+        </p:txBody>
+      </p:sp>
     </p:spTree>
     <p:extLst>
       <p:ext uri="{BB962C8B-B14F-4D97-AF65-F5344CB8AC3E}">
@@ -11931,8 +12521,37 @@
           <a:p>
             <a:r>
               <a:rPr lang="en-US" dirty="0"/>
-              <a:t>Add aspect detection method</a:t>
-            </a:r>
+              <a:t>Add aspect detection model</a:t>
+            </a:r>
+          </a:p>
+        </p:txBody>
+      </p:sp>
+      <p:sp>
+        <p:nvSpPr>
+          <p:cNvPr id="4" name="Slide Number Placeholder 3">
+            <a:extLst>
+              <a:ext uri="{FF2B5EF4-FFF2-40B4-BE49-F238E27FC236}">
+                <a16:creationId xmlns:a16="http://schemas.microsoft.com/office/drawing/2014/main" id="{C2BB4C1E-2784-4C41-8A15-BD4587DF7786}"/>
+              </a:ext>
+            </a:extLst>
+          </p:cNvPr>
+          <p:cNvSpPr>
+            <a:spLocks noGrp="1"/>
+          </p:cNvSpPr>
+          <p:nvPr>
+            <p:ph type="sldNum" sz="quarter" idx="12"/>
+          </p:nvPr>
+        </p:nvSpPr>
+        <p:spPr/>
+        <p:txBody>
+          <a:bodyPr/>
+          <a:lstStyle/>
+          <a:p>
+            <a:fld id="{7B67BC4D-670C-4E5F-8C6D-3D815CF13B85}" type="slidenum">
+              <a:rPr lang="en-US" smtClean="0"/>
+              <a:t>17</a:t>
+            </a:fld>
+            <a:endParaRPr lang="en-US"/>
           </a:p>
         </p:txBody>
       </p:sp>
@@ -12245,6 +12864,35 @@
           </a:p>
         </p:txBody>
       </p:sp>
+      <p:sp>
+        <p:nvSpPr>
+          <p:cNvPr id="4" name="Slide Number Placeholder 3">
+            <a:extLst>
+              <a:ext uri="{FF2B5EF4-FFF2-40B4-BE49-F238E27FC236}">
+                <a16:creationId xmlns:a16="http://schemas.microsoft.com/office/drawing/2014/main" id="{8974A56D-9F0F-4CE4-9BA5-9F9EC3E1A157}"/>
+              </a:ext>
+            </a:extLst>
+          </p:cNvPr>
+          <p:cNvSpPr>
+            <a:spLocks noGrp="1"/>
+          </p:cNvSpPr>
+          <p:nvPr>
+            <p:ph type="sldNum" sz="quarter" idx="12"/>
+          </p:nvPr>
+        </p:nvSpPr>
+        <p:spPr/>
+        <p:txBody>
+          <a:bodyPr/>
+          <a:lstStyle/>
+          <a:p>
+            <a:fld id="{7B67BC4D-670C-4E5F-8C6D-3D815CF13B85}" type="slidenum">
+              <a:rPr lang="en-US" smtClean="0"/>
+              <a:t>18</a:t>
+            </a:fld>
+            <a:endParaRPr lang="en-US"/>
+          </a:p>
+        </p:txBody>
+      </p:sp>
     </p:spTree>
     <p:extLst>
       <p:ext uri="{BB962C8B-B14F-4D97-AF65-F5344CB8AC3E}">
@@ -12324,6 +12972,35 @@
           <a:bodyPr/>
           <a:lstStyle/>
           <a:p>
+            <a:endParaRPr lang="en-US"/>
+          </a:p>
+        </p:txBody>
+      </p:sp>
+      <p:sp>
+        <p:nvSpPr>
+          <p:cNvPr id="4" name="Slide Number Placeholder 3">
+            <a:extLst>
+              <a:ext uri="{FF2B5EF4-FFF2-40B4-BE49-F238E27FC236}">
+                <a16:creationId xmlns:a16="http://schemas.microsoft.com/office/drawing/2014/main" id="{0CB807E1-D3CE-479D-95A1-211108EB2808}"/>
+              </a:ext>
+            </a:extLst>
+          </p:cNvPr>
+          <p:cNvSpPr>
+            <a:spLocks noGrp="1"/>
+          </p:cNvSpPr>
+          <p:nvPr>
+            <p:ph type="sldNum" sz="quarter" idx="12"/>
+          </p:nvPr>
+        </p:nvSpPr>
+        <p:spPr/>
+        <p:txBody>
+          <a:bodyPr/>
+          <a:lstStyle/>
+          <a:p>
+            <a:fld id="{7B67BC4D-670C-4E5F-8C6D-3D815CF13B85}" type="slidenum">
+              <a:rPr lang="en-US" smtClean="0"/>
+              <a:t>2</a:t>
+            </a:fld>
             <a:endParaRPr lang="en-US"/>
           </a:p>
         </p:txBody>
@@ -12462,6 +13139,35 @@
           </a:p>
         </p:txBody>
       </p:sp>
+      <p:sp>
+        <p:nvSpPr>
+          <p:cNvPr id="4" name="Slide Number Placeholder 3">
+            <a:extLst>
+              <a:ext uri="{FF2B5EF4-FFF2-40B4-BE49-F238E27FC236}">
+                <a16:creationId xmlns:a16="http://schemas.microsoft.com/office/drawing/2014/main" id="{8E918EDD-7E36-455D-ACB0-0D7D90F92DAC}"/>
+              </a:ext>
+            </a:extLst>
+          </p:cNvPr>
+          <p:cNvSpPr>
+            <a:spLocks noGrp="1"/>
+          </p:cNvSpPr>
+          <p:nvPr>
+            <p:ph type="sldNum" sz="quarter" idx="12"/>
+          </p:nvPr>
+        </p:nvSpPr>
+        <p:spPr/>
+        <p:txBody>
+          <a:bodyPr/>
+          <a:lstStyle/>
+          <a:p>
+            <a:fld id="{7B67BC4D-670C-4E5F-8C6D-3D815CF13B85}" type="slidenum">
+              <a:rPr lang="en-US" smtClean="0"/>
+              <a:t>3</a:t>
+            </a:fld>
+            <a:endParaRPr lang="en-US"/>
+          </a:p>
+        </p:txBody>
+      </p:sp>
     </p:spTree>
     <p:extLst>
       <p:ext uri="{BB962C8B-B14F-4D97-AF65-F5344CB8AC3E}">
@@ -12623,6 +13329,35 @@
           </a:p>
           <a:p>
             <a:endParaRPr lang="en-US" dirty="0"/>
+          </a:p>
+        </p:txBody>
+      </p:sp>
+      <p:sp>
+        <p:nvSpPr>
+          <p:cNvPr id="4" name="Slide Number Placeholder 3">
+            <a:extLst>
+              <a:ext uri="{FF2B5EF4-FFF2-40B4-BE49-F238E27FC236}">
+                <a16:creationId xmlns:a16="http://schemas.microsoft.com/office/drawing/2014/main" id="{4587AB6B-6DC5-444B-8B33-FB5C3FEF009E}"/>
+              </a:ext>
+            </a:extLst>
+          </p:cNvPr>
+          <p:cNvSpPr>
+            <a:spLocks noGrp="1"/>
+          </p:cNvSpPr>
+          <p:nvPr>
+            <p:ph type="sldNum" sz="quarter" idx="12"/>
+          </p:nvPr>
+        </p:nvSpPr>
+        <p:spPr/>
+        <p:txBody>
+          <a:bodyPr/>
+          <a:lstStyle/>
+          <a:p>
+            <a:fld id="{7B67BC4D-670C-4E5F-8C6D-3D815CF13B85}" type="slidenum">
+              <a:rPr lang="en-US" smtClean="0"/>
+              <a:t>4</a:t>
+            </a:fld>
+            <a:endParaRPr lang="en-US"/>
           </a:p>
         </p:txBody>
       </p:sp>
@@ -12775,6 +13510,35 @@
           </a:effectLst>
         </p:spPr>
       </p:pic>
+      <p:sp>
+        <p:nvSpPr>
+          <p:cNvPr id="4" name="Slide Number Placeholder 3">
+            <a:extLst>
+              <a:ext uri="{FF2B5EF4-FFF2-40B4-BE49-F238E27FC236}">
+                <a16:creationId xmlns:a16="http://schemas.microsoft.com/office/drawing/2014/main" id="{83D3032C-2580-4403-ADE8-E40B5197D04E}"/>
+              </a:ext>
+            </a:extLst>
+          </p:cNvPr>
+          <p:cNvSpPr>
+            <a:spLocks noGrp="1"/>
+          </p:cNvSpPr>
+          <p:nvPr>
+            <p:ph type="sldNum" sz="quarter" idx="12"/>
+          </p:nvPr>
+        </p:nvSpPr>
+        <p:spPr/>
+        <p:txBody>
+          <a:bodyPr/>
+          <a:lstStyle/>
+          <a:p>
+            <a:fld id="{7B67BC4D-670C-4E5F-8C6D-3D815CF13B85}" type="slidenum">
+              <a:rPr lang="en-US" smtClean="0"/>
+              <a:t>5</a:t>
+            </a:fld>
+            <a:endParaRPr lang="en-US"/>
+          </a:p>
+        </p:txBody>
+      </p:sp>
     </p:spTree>
     <p:extLst>
       <p:ext uri="{BB962C8B-B14F-4D97-AF65-F5344CB8AC3E}">
@@ -12876,6 +13640,35 @@
           </a:ln>
         </p:spPr>
       </p:pic>
+      <p:sp>
+        <p:nvSpPr>
+          <p:cNvPr id="3" name="Slide Number Placeholder 2">
+            <a:extLst>
+              <a:ext uri="{FF2B5EF4-FFF2-40B4-BE49-F238E27FC236}">
+                <a16:creationId xmlns:a16="http://schemas.microsoft.com/office/drawing/2014/main" id="{E6917B46-2AC3-4307-8203-150895C81286}"/>
+              </a:ext>
+            </a:extLst>
+          </p:cNvPr>
+          <p:cNvSpPr>
+            <a:spLocks noGrp="1"/>
+          </p:cNvSpPr>
+          <p:nvPr>
+            <p:ph type="sldNum" sz="quarter" idx="12"/>
+          </p:nvPr>
+        </p:nvSpPr>
+        <p:spPr/>
+        <p:txBody>
+          <a:bodyPr/>
+          <a:lstStyle/>
+          <a:p>
+            <a:fld id="{7B67BC4D-670C-4E5F-8C6D-3D815CF13B85}" type="slidenum">
+              <a:rPr lang="en-US" smtClean="0"/>
+              <a:t>6</a:t>
+            </a:fld>
+            <a:endParaRPr lang="en-US"/>
+          </a:p>
+        </p:txBody>
+      </p:sp>
     </p:spTree>
     <p:extLst>
       <p:ext uri="{BB962C8B-B14F-4D97-AF65-F5344CB8AC3E}">
@@ -13508,6 +14301,35 @@
               <a:rPr lang="en-US" sz="2800" dirty="0"/>
               <a:t>Out-domain</a:t>
             </a:r>
+          </a:p>
+        </p:txBody>
+      </p:sp>
+      <p:sp>
+        <p:nvSpPr>
+          <p:cNvPr id="3" name="Slide Number Placeholder 2">
+            <a:extLst>
+              <a:ext uri="{FF2B5EF4-FFF2-40B4-BE49-F238E27FC236}">
+                <a16:creationId xmlns:a16="http://schemas.microsoft.com/office/drawing/2014/main" id="{4010E36F-EBB7-4A8D-8BC4-B6F66582BD8C}"/>
+              </a:ext>
+            </a:extLst>
+          </p:cNvPr>
+          <p:cNvSpPr>
+            <a:spLocks noGrp="1"/>
+          </p:cNvSpPr>
+          <p:nvPr>
+            <p:ph type="sldNum" sz="quarter" idx="12"/>
+          </p:nvPr>
+        </p:nvSpPr>
+        <p:spPr/>
+        <p:txBody>
+          <a:bodyPr/>
+          <a:lstStyle/>
+          <a:p>
+            <a:fld id="{7B67BC4D-670C-4E5F-8C6D-3D815CF13B85}" type="slidenum">
+              <a:rPr lang="en-US" smtClean="0"/>
+              <a:t>7</a:t>
+            </a:fld>
+            <a:endParaRPr lang="en-US"/>
           </a:p>
         </p:txBody>
       </p:sp>
@@ -13741,6 +14563,35 @@
           </a:prstGeom>
         </p:spPr>
       </p:pic>
+      <p:sp>
+        <p:nvSpPr>
+          <p:cNvPr id="2" name="Slide Number Placeholder 1">
+            <a:extLst>
+              <a:ext uri="{FF2B5EF4-FFF2-40B4-BE49-F238E27FC236}">
+                <a16:creationId xmlns:a16="http://schemas.microsoft.com/office/drawing/2014/main" id="{02975831-86FF-47C2-B218-CE41FC8456E4}"/>
+              </a:ext>
+            </a:extLst>
+          </p:cNvPr>
+          <p:cNvSpPr>
+            <a:spLocks noGrp="1"/>
+          </p:cNvSpPr>
+          <p:nvPr>
+            <p:ph type="sldNum" sz="quarter" idx="12"/>
+          </p:nvPr>
+        </p:nvSpPr>
+        <p:spPr/>
+        <p:txBody>
+          <a:bodyPr/>
+          <a:lstStyle/>
+          <a:p>
+            <a:fld id="{7B67BC4D-670C-4E5F-8C6D-3D815CF13B85}" type="slidenum">
+              <a:rPr lang="en-US" smtClean="0"/>
+              <a:t>8</a:t>
+            </a:fld>
+            <a:endParaRPr lang="en-US"/>
+          </a:p>
+        </p:txBody>
+      </p:sp>
     </p:spTree>
     <p:extLst>
       <p:ext uri="{BB962C8B-B14F-4D97-AF65-F5344CB8AC3E}">
@@ -13870,6 +14721,35 @@
               <a:rPr lang="en-US" dirty="0"/>
               <a:t>Same epochs &amp; batch size</a:t>
             </a:r>
+          </a:p>
+        </p:txBody>
+      </p:sp>
+      <p:sp>
+        <p:nvSpPr>
+          <p:cNvPr id="4" name="Slide Number Placeholder 3">
+            <a:extLst>
+              <a:ext uri="{FF2B5EF4-FFF2-40B4-BE49-F238E27FC236}">
+                <a16:creationId xmlns:a16="http://schemas.microsoft.com/office/drawing/2014/main" id="{5CEEC7FD-59D8-4343-85D1-33B56377A27B}"/>
+              </a:ext>
+            </a:extLst>
+          </p:cNvPr>
+          <p:cNvSpPr>
+            <a:spLocks noGrp="1"/>
+          </p:cNvSpPr>
+          <p:nvPr>
+            <p:ph type="sldNum" sz="quarter" idx="12"/>
+          </p:nvPr>
+        </p:nvSpPr>
+        <p:spPr/>
+        <p:txBody>
+          <a:bodyPr/>
+          <a:lstStyle/>
+          <a:p>
+            <a:fld id="{7B67BC4D-670C-4E5F-8C6D-3D815CF13B85}" type="slidenum">
+              <a:rPr lang="en-US" smtClean="0"/>
+              <a:t>9</a:t>
+            </a:fld>
+            <a:endParaRPr lang="en-US"/>
           </a:p>
         </p:txBody>
       </p:sp>
@@ -14179,4 +15059,299 @@
     </a:ext>
   </a:extLst>
 </a:theme>
+</file>
+
+<file path=ppt/theme/theme2.xml><?xml version="1.0" encoding="utf-8"?>
+<a:theme xmlns:a="http://schemas.openxmlformats.org/drawingml/2006/main" name="Office Theme">
+  <a:themeElements>
+    <a:clrScheme name="Office">
+      <a:dk1>
+        <a:sysClr val="windowText" lastClr="000000"/>
+      </a:dk1>
+      <a:lt1>
+        <a:sysClr val="window" lastClr="FFFFFF"/>
+      </a:lt1>
+      <a:dk2>
+        <a:srgbClr val="44546A"/>
+      </a:dk2>
+      <a:lt2>
+        <a:srgbClr val="E7E6E6"/>
+      </a:lt2>
+      <a:accent1>
+        <a:srgbClr val="4472C4"/>
+      </a:accent1>
+      <a:accent2>
+        <a:srgbClr val="ED7D31"/>
+      </a:accent2>
+      <a:accent3>
+        <a:srgbClr val="A5A5A5"/>
+      </a:accent3>
+      <a:accent4>
+        <a:srgbClr val="FFC000"/>
+      </a:accent4>
+      <a:accent5>
+        <a:srgbClr val="5B9BD5"/>
+      </a:accent5>
+      <a:accent6>
+        <a:srgbClr val="70AD47"/>
+      </a:accent6>
+      <a:hlink>
+        <a:srgbClr val="0563C1"/>
+      </a:hlink>
+      <a:folHlink>
+        <a:srgbClr val="954F72"/>
+      </a:folHlink>
+    </a:clrScheme>
+    <a:fontScheme name="Office">
+      <a:majorFont>
+        <a:latin typeface="Calibri Light" panose="020F0302020204030204"/>
+        <a:ea typeface=""/>
+        <a:cs typeface=""/>
+        <a:font script="Jpan" typeface="游ゴシック Light"/>
+        <a:font script="Hang" typeface="맑은 고딕"/>
+        <a:font script="Hans" typeface="等线 Light"/>
+        <a:font script="Hant" typeface="新細明體"/>
+        <a:font script="Arab" typeface="Times New Roman"/>
+        <a:font script="Hebr" typeface="Times New Roman"/>
+        <a:font script="Thai" typeface="Angsana New"/>
+        <a:font script="Ethi" typeface="Nyala"/>
+        <a:font script="Beng" typeface="Vrinda"/>
+        <a:font script="Gujr" typeface="Shruti"/>
+        <a:font script="Khmr" typeface="MoolBoran"/>
+        <a:font script="Knda" typeface="Tunga"/>
+        <a:font script="Guru" typeface="Raavi"/>
+        <a:font script="Cans" typeface="Euphemia"/>
+        <a:font script="Cher" typeface="Plantagenet Cherokee"/>
+        <a:font script="Yiii" typeface="Microsoft Yi Baiti"/>
+        <a:font script="Tibt" typeface="Microsoft Himalaya"/>
+        <a:font script="Thaa" typeface="MV Boli"/>
+        <a:font script="Deva" typeface="Mangal"/>
+        <a:font script="Telu" typeface="Gautami"/>
+        <a:font script="Taml" typeface="Latha"/>
+        <a:font script="Syrc" typeface="Estrangelo Edessa"/>
+        <a:font script="Orya" typeface="Kalinga"/>
+        <a:font script="Mlym" typeface="Kartika"/>
+        <a:font script="Laoo" typeface="DokChampa"/>
+        <a:font script="Sinh" typeface="Iskoola Pota"/>
+        <a:font script="Mong" typeface="Mongolian Baiti"/>
+        <a:font script="Viet" typeface="Times New Roman"/>
+        <a:font script="Uigh" typeface="Microsoft Uighur"/>
+        <a:font script="Geor" typeface="Sylfaen"/>
+        <a:font script="Armn" typeface="Arial"/>
+        <a:font script="Bugi" typeface="Leelawadee UI"/>
+        <a:font script="Bopo" typeface="Microsoft JhengHei"/>
+        <a:font script="Java" typeface="Javanese Text"/>
+        <a:font script="Lisu" typeface="Segoe UI"/>
+        <a:font script="Mymr" typeface="Myanmar Text"/>
+        <a:font script="Nkoo" typeface="Ebrima"/>
+        <a:font script="Olck" typeface="Nirmala UI"/>
+        <a:font script="Osma" typeface="Ebrima"/>
+        <a:font script="Phag" typeface="Phagspa"/>
+        <a:font script="Syrn" typeface="Estrangelo Edessa"/>
+        <a:font script="Syrj" typeface="Estrangelo Edessa"/>
+        <a:font script="Syre" typeface="Estrangelo Edessa"/>
+        <a:font script="Sora" typeface="Nirmala UI"/>
+        <a:font script="Tale" typeface="Microsoft Tai Le"/>
+        <a:font script="Talu" typeface="Microsoft New Tai Lue"/>
+        <a:font script="Tfng" typeface="Ebrima"/>
+      </a:majorFont>
+      <a:minorFont>
+        <a:latin typeface="Calibri" panose="020F0502020204030204"/>
+        <a:ea typeface=""/>
+        <a:cs typeface=""/>
+        <a:font script="Jpan" typeface="游ゴシック"/>
+        <a:font script="Hang" typeface="맑은 고딕"/>
+        <a:font script="Hans" typeface="等线"/>
+        <a:font script="Hant" typeface="新細明體"/>
+        <a:font script="Arab" typeface="Arial"/>
+        <a:font script="Hebr" typeface="Arial"/>
+        <a:font script="Thai" typeface="Cordia New"/>
+        <a:font script="Ethi" typeface="Nyala"/>
+        <a:font script="Beng" typeface="Vrinda"/>
+        <a:font script="Gujr" typeface="Shruti"/>
+        <a:font script="Khmr" typeface="DaunPenh"/>
+        <a:font script="Knda" typeface="Tunga"/>
+        <a:font script="Guru" typeface="Raavi"/>
+        <a:font script="Cans" typeface="Euphemia"/>
+        <a:font script="Cher" typeface="Plantagenet Cherokee"/>
+        <a:font script="Yiii" typeface="Microsoft Yi Baiti"/>
+        <a:font script="Tibt" typeface="Microsoft Himalaya"/>
+        <a:font script="Thaa" typeface="MV Boli"/>
+        <a:font script="Deva" typeface="Mangal"/>
+        <a:font script="Telu" typeface="Gautami"/>
+        <a:font script="Taml" typeface="Latha"/>
+        <a:font script="Syrc" typeface="Estrangelo Edessa"/>
+        <a:font script="Orya" typeface="Kalinga"/>
+        <a:font script="Mlym" typeface="Kartika"/>
+        <a:font script="Laoo" typeface="DokChampa"/>
+        <a:font script="Sinh" typeface="Iskoola Pota"/>
+        <a:font script="Mong" typeface="Mongolian Baiti"/>
+        <a:font script="Viet" typeface="Arial"/>
+        <a:font script="Uigh" typeface="Microsoft Uighur"/>
+        <a:font script="Geor" typeface="Sylfaen"/>
+        <a:font script="Armn" typeface="Arial"/>
+        <a:font script="Bugi" typeface="Leelawadee UI"/>
+        <a:font script="Bopo" typeface="Microsoft JhengHei"/>
+        <a:font script="Java" typeface="Javanese Text"/>
+        <a:font script="Lisu" typeface="Segoe UI"/>
+        <a:font script="Mymr" typeface="Myanmar Text"/>
+        <a:font script="Nkoo" typeface="Ebrima"/>
+        <a:font script="Olck" typeface="Nirmala UI"/>
+        <a:font script="Osma" typeface="Ebrima"/>
+        <a:font script="Phag" typeface="Phagspa"/>
+        <a:font script="Syrn" typeface="Estrangelo Edessa"/>
+        <a:font script="Syrj" typeface="Estrangelo Edessa"/>
+        <a:font script="Syre" typeface="Estrangelo Edessa"/>
+        <a:font script="Sora" typeface="Nirmala UI"/>
+        <a:font script="Tale" typeface="Microsoft Tai Le"/>
+        <a:font script="Talu" typeface="Microsoft New Tai Lue"/>
+        <a:font script="Tfng" typeface="Ebrima"/>
+      </a:minorFont>
+    </a:fontScheme>
+    <a:fmtScheme name="Office">
+      <a:fillStyleLst>
+        <a:solidFill>
+          <a:schemeClr val="phClr"/>
+        </a:solidFill>
+        <a:gradFill rotWithShape="1">
+          <a:gsLst>
+            <a:gs pos="0">
+              <a:schemeClr val="phClr">
+                <a:lumMod val="110000"/>
+                <a:satMod val="105000"/>
+                <a:tint val="67000"/>
+              </a:schemeClr>
+            </a:gs>
+            <a:gs pos="50000">
+              <a:schemeClr val="phClr">
+                <a:lumMod val="105000"/>
+                <a:satMod val="103000"/>
+                <a:tint val="73000"/>
+              </a:schemeClr>
+            </a:gs>
+            <a:gs pos="100000">
+              <a:schemeClr val="phClr">
+                <a:lumMod val="105000"/>
+                <a:satMod val="109000"/>
+                <a:tint val="81000"/>
+              </a:schemeClr>
+            </a:gs>
+          </a:gsLst>
+          <a:lin ang="5400000" scaled="0"/>
+        </a:gradFill>
+        <a:gradFill rotWithShape="1">
+          <a:gsLst>
+            <a:gs pos="0">
+              <a:schemeClr val="phClr">
+                <a:satMod val="103000"/>
+                <a:lumMod val="102000"/>
+                <a:tint val="94000"/>
+              </a:schemeClr>
+            </a:gs>
+            <a:gs pos="50000">
+              <a:schemeClr val="phClr">
+                <a:satMod val="110000"/>
+                <a:lumMod val="100000"/>
+                <a:shade val="100000"/>
+              </a:schemeClr>
+            </a:gs>
+            <a:gs pos="100000">
+              <a:schemeClr val="phClr">
+                <a:lumMod val="99000"/>
+                <a:satMod val="120000"/>
+                <a:shade val="78000"/>
+              </a:schemeClr>
+            </a:gs>
+          </a:gsLst>
+          <a:lin ang="5400000" scaled="0"/>
+        </a:gradFill>
+      </a:fillStyleLst>
+      <a:lnStyleLst>
+        <a:ln w="6350" cap="flat" cmpd="sng" algn="ctr">
+          <a:solidFill>
+            <a:schemeClr val="phClr"/>
+          </a:solidFill>
+          <a:prstDash val="solid"/>
+          <a:miter lim="800000"/>
+        </a:ln>
+        <a:ln w="12700" cap="flat" cmpd="sng" algn="ctr">
+          <a:solidFill>
+            <a:schemeClr val="phClr"/>
+          </a:solidFill>
+          <a:prstDash val="solid"/>
+          <a:miter lim="800000"/>
+        </a:ln>
+        <a:ln w="19050" cap="flat" cmpd="sng" algn="ctr">
+          <a:solidFill>
+            <a:schemeClr val="phClr"/>
+          </a:solidFill>
+          <a:prstDash val="solid"/>
+          <a:miter lim="800000"/>
+        </a:ln>
+      </a:lnStyleLst>
+      <a:effectStyleLst>
+        <a:effectStyle>
+          <a:effectLst/>
+        </a:effectStyle>
+        <a:effectStyle>
+          <a:effectLst/>
+        </a:effectStyle>
+        <a:effectStyle>
+          <a:effectLst>
+            <a:outerShdw blurRad="57150" dist="19050" dir="5400000" algn="ctr" rotWithShape="0">
+              <a:srgbClr val="000000">
+                <a:alpha val="63000"/>
+              </a:srgbClr>
+            </a:outerShdw>
+          </a:effectLst>
+        </a:effectStyle>
+      </a:effectStyleLst>
+      <a:bgFillStyleLst>
+        <a:solidFill>
+          <a:schemeClr val="phClr"/>
+        </a:solidFill>
+        <a:solidFill>
+          <a:schemeClr val="phClr">
+            <a:tint val="95000"/>
+            <a:satMod val="170000"/>
+          </a:schemeClr>
+        </a:solidFill>
+        <a:gradFill rotWithShape="1">
+          <a:gsLst>
+            <a:gs pos="0">
+              <a:schemeClr val="phClr">
+                <a:tint val="93000"/>
+                <a:satMod val="150000"/>
+                <a:shade val="98000"/>
+                <a:lumMod val="102000"/>
+              </a:schemeClr>
+            </a:gs>
+            <a:gs pos="50000">
+              <a:schemeClr val="phClr">
+                <a:tint val="98000"/>
+                <a:satMod val="130000"/>
+                <a:shade val="90000"/>
+                <a:lumMod val="103000"/>
+              </a:schemeClr>
+            </a:gs>
+            <a:gs pos="100000">
+              <a:schemeClr val="phClr">
+                <a:shade val="63000"/>
+                <a:satMod val="120000"/>
+              </a:schemeClr>
+            </a:gs>
+          </a:gsLst>
+          <a:lin ang="5400000" scaled="0"/>
+        </a:gradFill>
+      </a:bgFillStyleLst>
+    </a:fmtScheme>
+  </a:themeElements>
+  <a:objectDefaults/>
+  <a:extraClrSchemeLst/>
+  <a:extLst>
+    <a:ext uri="{05A4C25C-085E-4340-85A3-A5531E510DB2}">
+      <thm15:themeFamily xmlns:thm15="http://schemas.microsoft.com/office/thememl/2012/main" name="Office Theme" id="{62F939B6-93AF-4DB8-9C6B-D6C7DFDC589F}" vid="{4A3C46E8-61CC-4603-A589-7422A47A8E4A}"/>
+    </a:ext>
+  </a:extLst>
+</a:theme>
 </file>
--- a/FinalPresentation.pptx
+++ b/FinalPresentation.pptx
@@ -12608,7 +12608,7 @@
           <a:p>
             <a:r>
               <a:rPr lang="en-US" dirty="0"/>
-              <a:t>Resources</a:t>
+              <a:t>References</a:t>
             </a:r>
           </a:p>
         </p:txBody>

--- a/FinalPresentation.pptx
+++ b/FinalPresentation.pptx
@@ -214,7 +214,7 @@
           <a:p>
             <a:fld id="{7D5E496A-779C-4384-B859-A6DCB518B5ED}" type="datetimeFigureOut">
               <a:rPr lang="en-US" smtClean="0"/>
-              <a:t>2/11/2022</a:t>
+              <a:t>2/25/2022</a:t>
             </a:fld>
             <a:endParaRPr lang="en-US"/>
           </a:p>
@@ -628,7 +628,7 @@
           <a:p>
             <a:fld id="{8C938D5B-385A-4077-97BE-7668118EB051}" type="datetime1">
               <a:rPr lang="en-US" smtClean="0"/>
-              <a:t>2/11/2022</a:t>
+              <a:t>2/25/2022</a:t>
             </a:fld>
             <a:endParaRPr lang="en-US"/>
           </a:p>
@@ -826,7 +826,7 @@
           <a:p>
             <a:fld id="{1736CB33-1F37-4530-B113-B4EE98B66EE5}" type="datetime1">
               <a:rPr lang="en-US" smtClean="0"/>
-              <a:t>2/11/2022</a:t>
+              <a:t>2/25/2022</a:t>
             </a:fld>
             <a:endParaRPr lang="en-US"/>
           </a:p>
@@ -1034,7 +1034,7 @@
           <a:p>
             <a:fld id="{C1EEC5DC-7CE3-4C9F-BF01-55376B8058B0}" type="datetime1">
               <a:rPr lang="en-US" smtClean="0"/>
-              <a:t>2/11/2022</a:t>
+              <a:t>2/25/2022</a:t>
             </a:fld>
             <a:endParaRPr lang="en-US"/>
           </a:p>
@@ -1232,7 +1232,7 @@
           <a:p>
             <a:fld id="{442FF5F2-838D-435B-8BB8-F31F69237C74}" type="datetime1">
               <a:rPr lang="en-US" smtClean="0"/>
-              <a:t>2/11/2022</a:t>
+              <a:t>2/25/2022</a:t>
             </a:fld>
             <a:endParaRPr lang="en-US"/>
           </a:p>
@@ -1507,7 +1507,7 @@
           <a:p>
             <a:fld id="{35FFB324-5C52-472B-966D-71B91B72CA10}" type="datetime1">
               <a:rPr lang="en-US" smtClean="0"/>
-              <a:t>2/11/2022</a:t>
+              <a:t>2/25/2022</a:t>
             </a:fld>
             <a:endParaRPr lang="en-US"/>
           </a:p>
@@ -1772,7 +1772,7 @@
           <a:p>
             <a:fld id="{998A1657-28F2-4040-8C75-1905D2EF5CF4}" type="datetime1">
               <a:rPr lang="en-US" smtClean="0"/>
-              <a:t>2/11/2022</a:t>
+              <a:t>2/25/2022</a:t>
             </a:fld>
             <a:endParaRPr lang="en-US"/>
           </a:p>
@@ -2184,7 +2184,7 @@
           <a:p>
             <a:fld id="{C610E045-473B-4D64-B204-6680555A1DAC}" type="datetime1">
               <a:rPr lang="en-US" smtClean="0"/>
-              <a:t>2/11/2022</a:t>
+              <a:t>2/25/2022</a:t>
             </a:fld>
             <a:endParaRPr lang="en-US"/>
           </a:p>
@@ -2325,7 +2325,7 @@
           <a:p>
             <a:fld id="{2F393A24-EFF1-4526-88BA-92BE7A18166C}" type="datetime1">
               <a:rPr lang="en-US" smtClean="0"/>
-              <a:t>2/11/2022</a:t>
+              <a:t>2/25/2022</a:t>
             </a:fld>
             <a:endParaRPr lang="en-US"/>
           </a:p>
@@ -2438,7 +2438,7 @@
           <a:p>
             <a:fld id="{CEB1852F-2F81-4F37-86D5-3199B0D40295}" type="datetime1">
               <a:rPr lang="en-US" smtClean="0"/>
-              <a:t>2/11/2022</a:t>
+              <a:t>2/25/2022</a:t>
             </a:fld>
             <a:endParaRPr lang="en-US"/>
           </a:p>
@@ -2749,7 +2749,7 @@
           <a:p>
             <a:fld id="{226A6D8D-4AB5-4C8B-AC1E-10003A4D371B}" type="datetime1">
               <a:rPr lang="en-US" smtClean="0"/>
-              <a:t>2/11/2022</a:t>
+              <a:t>2/25/2022</a:t>
             </a:fld>
             <a:endParaRPr lang="en-US"/>
           </a:p>
@@ -3037,7 +3037,7 @@
           <a:p>
             <a:fld id="{0CD76BE7-6E2C-477F-8B94-BDB05F403FA7}" type="datetime1">
               <a:rPr lang="en-US" smtClean="0"/>
-              <a:t>2/11/2022</a:t>
+              <a:t>2/25/2022</a:t>
             </a:fld>
             <a:endParaRPr lang="en-US"/>
           </a:p>
@@ -3278,7 +3278,7 @@
           <a:p>
             <a:fld id="{D4B0F334-E1D7-4DE2-939C-77E9FCD3A627}" type="datetime1">
               <a:rPr lang="en-US" smtClean="0"/>
-              <a:t>2/11/2022</a:t>
+              <a:t>2/25/2022</a:t>
             </a:fld>
             <a:endParaRPr lang="en-US"/>
           </a:p>
@@ -6017,9 +6017,14 @@
         </p:blipFill>
         <p:spPr>
           <a:xfrm>
-            <a:off x="1575519" y="1288279"/>
-            <a:ext cx="8922209" cy="2711589"/>
+            <a:off x="411735" y="1288280"/>
+            <a:ext cx="7882160" cy="2447902"/>
           </a:xfrm>
+          <a:ln>
+            <a:solidFill>
+              <a:schemeClr val="accent1"/>
+            </a:solidFill>
+          </a:ln>
         </p:spPr>
       </p:pic>
       <p:sp>
@@ -6170,6 +6175,47 @@
           </a:p>
         </p:txBody>
       </p:sp>
+      <p:pic>
+        <p:nvPicPr>
+          <p:cNvPr id="7" name="Picture 6" descr="Diagram, table&#10;&#10;Description automatically generated">
+            <a:extLst>
+              <a:ext uri="{FF2B5EF4-FFF2-40B4-BE49-F238E27FC236}">
+                <a16:creationId xmlns:a16="http://schemas.microsoft.com/office/drawing/2014/main" id="{163A1E3F-583A-45E6-BC3E-F7CC8E5B9C08}"/>
+              </a:ext>
+            </a:extLst>
+          </p:cNvPr>
+          <p:cNvPicPr>
+            <a:picLocks noChangeAspect="1"/>
+          </p:cNvPicPr>
+          <p:nvPr/>
+        </p:nvPicPr>
+        <p:blipFill>
+          <a:blip r:embed="rId3">
+            <a:extLst>
+              <a:ext uri="{28A0092B-C50C-407E-A947-70E740481C1C}">
+                <a14:useLocalDpi xmlns:a14="http://schemas.microsoft.com/office/drawing/2010/main" val="0"/>
+              </a:ext>
+            </a:extLst>
+          </a:blip>
+          <a:stretch>
+            <a:fillRect/>
+          </a:stretch>
+        </p:blipFill>
+        <p:spPr>
+          <a:xfrm>
+            <a:off x="8427326" y="545232"/>
+            <a:ext cx="3483636" cy="5470598"/>
+          </a:xfrm>
+          <a:prstGeom prst="rect">
+            <a:avLst/>
+          </a:prstGeom>
+          <a:ln>
+            <a:solidFill>
+              <a:schemeClr val="accent1"/>
+            </a:solidFill>
+          </a:ln>
+        </p:spPr>
+      </p:pic>
     </p:spTree>
     <p:extLst>
       <p:ext uri="{BB962C8B-B14F-4D97-AF65-F5344CB8AC3E}">
@@ -7015,6 +7061,14 @@
           <a:prstGeom prst="rect">
             <a:avLst/>
           </a:prstGeom>
+          <a:solidFill>
+            <a:schemeClr val="tx1"/>
+          </a:solidFill>
+          <a:ln>
+            <a:solidFill>
+              <a:schemeClr val="accent1"/>
+            </a:solidFill>
+          </a:ln>
         </p:spPr>
       </p:pic>
       <p:pic>
@@ -7045,6 +7099,11 @@
           <a:prstGeom prst="rect">
             <a:avLst/>
           </a:prstGeom>
+          <a:ln>
+            <a:solidFill>
+              <a:schemeClr val="accent1"/>
+            </a:solidFill>
+          </a:ln>
         </p:spPr>
       </p:pic>
       <p:sp>
@@ -8311,12 +8370,12 @@
                         </a:spcAft>
                       </a:pPr>
                       <a:r>
-                        <a:rPr lang="en-US" sz="1200">
+                        <a:rPr lang="en-US" sz="1200" dirty="0">
                           <a:effectLst/>
                         </a:rPr>
                         <a:t>1</a:t>
                       </a:r>
-                      <a:endParaRPr lang="en-US" sz="1100">
+                      <a:endParaRPr lang="en-US" sz="1100" dirty="0">
                         <a:effectLst/>
                         <a:latin typeface="Calibri" panose="020F0502020204030204" pitchFamily="34" charset="0"/>
                         <a:ea typeface="Calibri" panose="020F0502020204030204" pitchFamily="34" charset="0"/>
